--- a/Eswaran S Stergo.pptx
+++ b/Eswaran S Stergo.pptx
@@ -542,7 +542,7 @@
           <a:p>
             <a:fld id="{46256A78-79A6-408F-8148-4F87BB81602D}" type="datetimeFigureOut">
               <a:rPr lang="en-IN" smtClean="0"/>
-              <a:t>12-02-2025</a:t>
+              <a:t>20-02-2025</a:t>
             </a:fld>
             <a:endParaRPr lang="en-IN"/>
           </a:p>
@@ -1046,7 +1046,7 @@
           <a:p>
             <a:fld id="{ED291B17-9318-49DB-B28B-6E5994AE9581}" type="datetime1">
               <a:rPr lang="en-US" smtClean="0"/>
-              <a:t>2/12/2025</a:t>
+              <a:t>2/20/2025</a:t>
             </a:fld>
             <a:endParaRPr lang="en-US"/>
           </a:p>
@@ -1255,7 +1255,7 @@
           <a:p>
             <a:fld id="{2CED4963-E985-44C4-B8C4-FDD613B7C2F8}" type="datetime1">
               <a:rPr lang="en-US" smtClean="0"/>
-              <a:t>2/12/2025</a:t>
+              <a:t>2/20/2025</a:t>
             </a:fld>
             <a:endParaRPr lang="en-US"/>
           </a:p>
@@ -1623,7 +1623,7 @@
           <a:p>
             <a:fld id="{ED291B17-9318-49DB-B28B-6E5994AE9581}" type="datetime1">
               <a:rPr lang="en-US" smtClean="0"/>
-              <a:t>2/12/2025</a:t>
+              <a:t>2/20/2025</a:t>
             </a:fld>
             <a:endParaRPr lang="en-US"/>
           </a:p>
@@ -1827,7 +1827,7 @@
           <a:p>
             <a:fld id="{78DD82B9-B8EE-4375-B6FF-88FA6ABB15D9}" type="datetime1">
               <a:rPr lang="en-US" smtClean="0"/>
-              <a:t>2/12/2025</a:t>
+              <a:t>2/20/2025</a:t>
             </a:fld>
             <a:endParaRPr lang="en-US"/>
           </a:p>
@@ -2084,7 +2084,7 @@
           <a:p>
             <a:fld id="{B2497495-0637-405E-AE64-5CC7506D51F5}" type="datetime1">
               <a:rPr lang="en-US" smtClean="0"/>
-              <a:t>2/12/2025</a:t>
+              <a:t>2/20/2025</a:t>
             </a:fld>
             <a:endParaRPr lang="en-US"/>
           </a:p>
@@ -2342,7 +2342,7 @@
           <a:p>
             <a:fld id="{7BFFD690-9426-415D-8B65-26881E07B2D4}" type="datetime1">
               <a:rPr lang="en-US" smtClean="0"/>
-              <a:t>2/12/2025</a:t>
+              <a:t>2/20/2025</a:t>
             </a:fld>
             <a:endParaRPr lang="en-US"/>
           </a:p>
@@ -2769,7 +2769,7 @@
           <a:p>
             <a:fld id="{04C4989A-474C-40DE-95B9-011C28B71673}" type="datetime1">
               <a:rPr lang="en-US" smtClean="0"/>
-              <a:t>2/12/2025</a:t>
+              <a:t>2/20/2025</a:t>
             </a:fld>
             <a:endParaRPr lang="en-US"/>
           </a:p>
@@ -2899,7 +2899,7 @@
           <a:p>
             <a:fld id="{5DB4ED54-5B5E-4A04-93D3-5772E3CE3818}" type="datetime1">
               <a:rPr lang="en-US" smtClean="0"/>
-              <a:t>2/12/2025</a:t>
+              <a:t>2/20/2025</a:t>
             </a:fld>
             <a:endParaRPr lang="en-US"/>
           </a:p>
@@ -3002,7 +3002,7 @@
           <a:p>
             <a:fld id="{4EDE50D6-574B-40AF-946F-D52A04ADE379}" type="datetime1">
               <a:rPr lang="en-US" smtClean="0"/>
-              <a:t>2/12/2025</a:t>
+              <a:t>2/20/2025</a:t>
             </a:fld>
             <a:endParaRPr lang="en-US"/>
           </a:p>
@@ -3385,7 +3385,7 @@
           <a:p>
             <a:fld id="{D82884F1-FFEA-405F-9602-3DCA865EDA4E}" type="datetime1">
               <a:rPr lang="en-US" smtClean="0"/>
-              <a:t>2/12/2025</a:t>
+              <a:t>2/20/2025</a:t>
             </a:fld>
             <a:endParaRPr lang="en-US"/>
           </a:p>
@@ -3679,7 +3679,7 @@
           <a:p>
             <a:fld id="{7E18DB4A-8810-4A10-AD5C-D5E2C667F5B3}" type="datetime1">
               <a:rPr lang="en-US" smtClean="0"/>
-              <a:t>2/12/2025</a:t>
+              <a:t>2/20/2025</a:t>
             </a:fld>
             <a:endParaRPr lang="en-US"/>
           </a:p>
@@ -3900,7 +3900,7 @@
           <a:p>
             <a:fld id="{ED291B17-9318-49DB-B28B-6E5994AE9581}" type="datetime1">
               <a:rPr lang="en-US" smtClean="0"/>
-              <a:t>2/12/2025</a:t>
+              <a:t>2/20/2025</a:t>
             </a:fld>
             <a:endParaRPr lang="en-US"/>
           </a:p>
@@ -4547,7 +4547,9 @@
           </a:xfrm>
         </p:spPr>
         <p:txBody>
-          <a:bodyPr/>
+          <a:bodyPr>
+            <a:normAutofit fontScale="90000"/>
+          </a:bodyPr>
           <a:lstStyle/>
           <a:p>
             <a:pPr algn="ctr"/>
@@ -4559,7 +4561,7 @@
                 <a:latin typeface="Arial" panose="020B0604020202020204" pitchFamily="34" charset="0"/>
                 <a:cs typeface="Arial" panose="020B0604020202020204" pitchFamily="34" charset="0"/>
               </a:rPr>
-              <a:t>PROJECT TITLE</a:t>
+              <a:t>Secure Data Hiding in image using Steganography</a:t>
             </a:r>
           </a:p>
         </p:txBody>
@@ -4610,8 +4612,8 @@
         </p:nvSpPr>
         <p:spPr>
           <a:xfrm>
-            <a:off x="3117529" y="4586365"/>
-            <a:ext cx="7980183" cy="1631216"/>
+            <a:off x="1524000" y="3429000"/>
+            <a:ext cx="9144000" cy="2554545"/>
           </a:xfrm>
           <a:prstGeom prst="rect">
             <a:avLst/>
@@ -4625,7 +4627,7 @@
           <a:lstStyle/>
           <a:p>
             <a:r>
-              <a:rPr lang="en-US" sz="2000" b="1" dirty="0">
+              <a:rPr lang="en-US" sz="2800" b="1" dirty="0">
                 <a:solidFill>
                   <a:schemeClr val="accent1">
                     <a:lumMod val="75000"/>
@@ -4639,7 +4641,7 @@
           </a:p>
           <a:p>
             <a:r>
-              <a:rPr lang="en-US" sz="2000" b="1" dirty="0">
+              <a:rPr lang="en-US" sz="2800" b="1" dirty="0">
                 <a:solidFill>
                   <a:schemeClr val="accent1">
                     <a:lumMod val="75000"/>
@@ -4653,7 +4655,7 @@
           </a:p>
           <a:p>
             <a:r>
-              <a:rPr lang="en-US" sz="2000" b="1" dirty="0">
+              <a:rPr lang="en-US" sz="2800" b="1" dirty="0">
                 <a:solidFill>
                   <a:schemeClr val="accent1">
                     <a:lumMod val="75000"/>
@@ -4667,7 +4669,7 @@
           </a:p>
           <a:p>
             <a:r>
-              <a:rPr lang="en-US" sz="2000" b="1" dirty="0">
+              <a:rPr lang="en-US" sz="2800" b="1" dirty="0">
                 <a:solidFill>
                   <a:schemeClr val="accent1">
                     <a:lumMod val="75000"/>
@@ -6416,8 +6418,8 @@
             <a:chExt cx="1834200" cy="892440"/>
           </a:xfrm>
         </p:grpSpPr>
-        <mc:AlternateContent xmlns:mc="http://schemas.openxmlformats.org/markup-compatibility/2006">
-          <mc:Choice xmlns:p14="http://schemas.microsoft.com/office/powerpoint/2010/main" Requires="p14">
+        <mc:AlternateContent xmlns:mc="http://schemas.openxmlformats.org/markup-compatibility/2006" xmlns:p14="http://schemas.microsoft.com/office/powerpoint/2010/main">
+          <mc:Choice Requires="p14">
             <p:contentPart p14:bwMode="auto" r:id="rId6">
               <p14:nvContentPartPr>
                 <p14:cNvPr id="15" name="Ink 14">
@@ -6436,7 +6438,7 @@
               </p14:xfrm>
             </p:contentPart>
           </mc:Choice>
-          <mc:Fallback>
+          <mc:Fallback xmlns="">
             <p:pic>
               <p:nvPicPr>
                 <p:cNvPr id="15" name="Ink 14">
@@ -6467,8 +6469,8 @@
             </p:pic>
           </mc:Fallback>
         </mc:AlternateContent>
-        <mc:AlternateContent xmlns:mc="http://schemas.openxmlformats.org/markup-compatibility/2006">
-          <mc:Choice xmlns:p14="http://schemas.microsoft.com/office/powerpoint/2010/main" Requires="p14">
+        <mc:AlternateContent xmlns:mc="http://schemas.openxmlformats.org/markup-compatibility/2006" xmlns:p14="http://schemas.microsoft.com/office/powerpoint/2010/main">
+          <mc:Choice Requires="p14">
             <p:contentPart p14:bwMode="auto" r:id="rId8">
               <p14:nvContentPartPr>
                 <p14:cNvPr id="16" name="Ink 15">
@@ -6487,7 +6489,7 @@
               </p14:xfrm>
             </p:contentPart>
           </mc:Choice>
-          <mc:Fallback>
+          <mc:Fallback xmlns="">
             <p:pic>
               <p:nvPicPr>
                 <p:cNvPr id="16" name="Ink 15">
@@ -6539,8 +6541,8 @@
             <a:chExt cx="1047240" cy="575280"/>
           </a:xfrm>
         </p:grpSpPr>
-        <mc:AlternateContent xmlns:mc="http://schemas.openxmlformats.org/markup-compatibility/2006">
-          <mc:Choice xmlns:p14="http://schemas.microsoft.com/office/powerpoint/2010/main" Requires="p14">
+        <mc:AlternateContent xmlns:mc="http://schemas.openxmlformats.org/markup-compatibility/2006" xmlns:p14="http://schemas.microsoft.com/office/powerpoint/2010/main">
+          <mc:Choice Requires="p14">
             <p:contentPart p14:bwMode="auto" r:id="rId10">
               <p14:nvContentPartPr>
                 <p14:cNvPr id="19" name="Ink 18">
@@ -6559,7 +6561,7 @@
               </p14:xfrm>
             </p:contentPart>
           </mc:Choice>
-          <mc:Fallback>
+          <mc:Fallback xmlns="">
             <p:pic>
               <p:nvPicPr>
                 <p:cNvPr id="19" name="Ink 18">
@@ -6590,8 +6592,8 @@
             </p:pic>
           </mc:Fallback>
         </mc:AlternateContent>
-        <mc:AlternateContent xmlns:mc="http://schemas.openxmlformats.org/markup-compatibility/2006">
-          <mc:Choice xmlns:p14="http://schemas.microsoft.com/office/powerpoint/2010/main" Requires="p14">
+        <mc:AlternateContent xmlns:mc="http://schemas.openxmlformats.org/markup-compatibility/2006" xmlns:p14="http://schemas.microsoft.com/office/powerpoint/2010/main">
+          <mc:Choice Requires="p14">
             <p:contentPart p14:bwMode="auto" r:id="rId12">
               <p14:nvContentPartPr>
                 <p14:cNvPr id="20" name="Ink 19">
@@ -6610,7 +6612,7 @@
               </p14:xfrm>
             </p:contentPart>
           </mc:Choice>
-          <mc:Fallback>
+          <mc:Fallback xmlns="">
             <p:pic>
               <p:nvPicPr>
                 <p:cNvPr id="20" name="Ink 19">
@@ -6662,8 +6664,8 @@
             <a:chExt cx="2577240" cy="1025280"/>
           </a:xfrm>
         </p:grpSpPr>
-        <mc:AlternateContent xmlns:mc="http://schemas.openxmlformats.org/markup-compatibility/2006">
-          <mc:Choice xmlns:p14="http://schemas.microsoft.com/office/powerpoint/2010/main" Requires="p14">
+        <mc:AlternateContent xmlns:mc="http://schemas.openxmlformats.org/markup-compatibility/2006" xmlns:p14="http://schemas.microsoft.com/office/powerpoint/2010/main">
+          <mc:Choice Requires="p14">
             <p:contentPart p14:bwMode="auto" r:id="rId14">
               <p14:nvContentPartPr>
                 <p14:cNvPr id="22" name="Ink 21">
@@ -6682,7 +6684,7 @@
               </p14:xfrm>
             </p:contentPart>
           </mc:Choice>
-          <mc:Fallback>
+          <mc:Fallback xmlns="">
             <p:pic>
               <p:nvPicPr>
                 <p:cNvPr id="22" name="Ink 21">
@@ -6713,8 +6715,8 @@
             </p:pic>
           </mc:Fallback>
         </mc:AlternateContent>
-        <mc:AlternateContent xmlns:mc="http://schemas.openxmlformats.org/markup-compatibility/2006">
-          <mc:Choice xmlns:p14="http://schemas.microsoft.com/office/powerpoint/2010/main" Requires="p14">
+        <mc:AlternateContent xmlns:mc="http://schemas.openxmlformats.org/markup-compatibility/2006" xmlns:p14="http://schemas.microsoft.com/office/powerpoint/2010/main">
+          <mc:Choice Requires="p14">
             <p:contentPart p14:bwMode="auto" r:id="rId16">
               <p14:nvContentPartPr>
                 <p14:cNvPr id="23" name="Ink 22">
@@ -6733,7 +6735,7 @@
               </p14:xfrm>
             </p:contentPart>
           </mc:Choice>
-          <mc:Fallback>
+          <mc:Fallback xmlns="">
             <p:pic>
               <p:nvPicPr>
                 <p:cNvPr id="23" name="Ink 22">
@@ -6913,8 +6915,8 @@
           </a:p>
         </p:txBody>
       </p:sp>
-      <mc:AlternateContent xmlns:mc="http://schemas.openxmlformats.org/markup-compatibility/2006">
-        <mc:Choice xmlns:p14="http://schemas.microsoft.com/office/powerpoint/2010/main" Requires="p14">
+      <mc:AlternateContent xmlns:mc="http://schemas.openxmlformats.org/markup-compatibility/2006" xmlns:p14="http://schemas.microsoft.com/office/powerpoint/2010/main">
+        <mc:Choice Requires="p14">
           <p:contentPart p14:bwMode="auto" r:id="rId2">
             <p14:nvContentPartPr>
               <p14:cNvPr id="4" name="Ink 3">
@@ -6933,7 +6935,7 @@
             </p14:xfrm>
           </p:contentPart>
         </mc:Choice>
-        <mc:Fallback>
+        <mc:Fallback xmlns="">
           <p:pic>
             <p:nvPicPr>
               <p:cNvPr id="4" name="Ink 3">
@@ -6964,8 +6966,8 @@
           </p:pic>
         </mc:Fallback>
       </mc:AlternateContent>
-      <mc:AlternateContent xmlns:mc="http://schemas.openxmlformats.org/markup-compatibility/2006">
-        <mc:Choice xmlns:p14="http://schemas.microsoft.com/office/powerpoint/2010/main" Requires="p14">
+      <mc:AlternateContent xmlns:mc="http://schemas.openxmlformats.org/markup-compatibility/2006" xmlns:p14="http://schemas.microsoft.com/office/powerpoint/2010/main">
+        <mc:Choice Requires="p14">
           <p:contentPart p14:bwMode="auto" r:id="rId4">
             <p14:nvContentPartPr>
               <p14:cNvPr id="5" name="Ink 4">
@@ -6984,7 +6986,7 @@
             </p14:xfrm>
           </p:contentPart>
         </mc:Choice>
-        <mc:Fallback>
+        <mc:Fallback xmlns="">
           <p:pic>
             <p:nvPicPr>
               <p:cNvPr id="5" name="Ink 4">
@@ -7015,8 +7017,8 @@
           </p:pic>
         </mc:Fallback>
       </mc:AlternateContent>
-      <mc:AlternateContent xmlns:mc="http://schemas.openxmlformats.org/markup-compatibility/2006">
-        <mc:Choice xmlns:p14="http://schemas.microsoft.com/office/powerpoint/2010/main" Requires="p14">
+      <mc:AlternateContent xmlns:mc="http://schemas.openxmlformats.org/markup-compatibility/2006" xmlns:p14="http://schemas.microsoft.com/office/powerpoint/2010/main">
+        <mc:Choice Requires="p14">
           <p:contentPart p14:bwMode="auto" r:id="rId5">
             <p14:nvContentPartPr>
               <p14:cNvPr id="6" name="Ink 5">
@@ -7035,7 +7037,7 @@
             </p14:xfrm>
           </p:contentPart>
         </mc:Choice>
-        <mc:Fallback>
+        <mc:Fallback xmlns="">
           <p:pic>
             <p:nvPicPr>
               <p:cNvPr id="6" name="Ink 5">
@@ -7086,8 +7088,8 @@
             <a:chExt cx="360" cy="360"/>
           </a:xfrm>
         </p:grpSpPr>
-        <mc:AlternateContent xmlns:mc="http://schemas.openxmlformats.org/markup-compatibility/2006">
-          <mc:Choice xmlns:p14="http://schemas.microsoft.com/office/powerpoint/2010/main" Requires="p14">
+        <mc:AlternateContent xmlns:mc="http://schemas.openxmlformats.org/markup-compatibility/2006" xmlns:p14="http://schemas.microsoft.com/office/powerpoint/2010/main">
+          <mc:Choice Requires="p14">
             <p:contentPart p14:bwMode="auto" r:id="rId6">
               <p14:nvContentPartPr>
                 <p14:cNvPr id="7" name="Ink 6">
@@ -7106,7 +7108,7 @@
               </p14:xfrm>
             </p:contentPart>
           </mc:Choice>
-          <mc:Fallback>
+          <mc:Fallback xmlns="">
             <p:pic>
               <p:nvPicPr>
                 <p:cNvPr id="7" name="Ink 6">
@@ -7137,8 +7139,8 @@
             </p:pic>
           </mc:Fallback>
         </mc:AlternateContent>
-        <mc:AlternateContent xmlns:mc="http://schemas.openxmlformats.org/markup-compatibility/2006">
-          <mc:Choice xmlns:p14="http://schemas.microsoft.com/office/powerpoint/2010/main" Requires="p14">
+        <mc:AlternateContent xmlns:mc="http://schemas.openxmlformats.org/markup-compatibility/2006" xmlns:p14="http://schemas.microsoft.com/office/powerpoint/2010/main">
+          <mc:Choice Requires="p14">
             <p:contentPart p14:bwMode="auto" r:id="rId7">
               <p14:nvContentPartPr>
                 <p14:cNvPr id="8" name="Ink 7">
@@ -7157,7 +7159,7 @@
               </p14:xfrm>
             </p:contentPart>
           </mc:Choice>
-          <mc:Fallback>
+          <mc:Fallback xmlns="">
             <p:pic>
               <p:nvPicPr>
                 <p:cNvPr id="8" name="Ink 7">
@@ -7188,8 +7190,8 @@
             </p:pic>
           </mc:Fallback>
         </mc:AlternateContent>
-        <mc:AlternateContent xmlns:mc="http://schemas.openxmlformats.org/markup-compatibility/2006">
-          <mc:Choice xmlns:p14="http://schemas.microsoft.com/office/powerpoint/2010/main" Requires="p14">
+        <mc:AlternateContent xmlns:mc="http://schemas.openxmlformats.org/markup-compatibility/2006" xmlns:p14="http://schemas.microsoft.com/office/powerpoint/2010/main">
+          <mc:Choice Requires="p14">
             <p:contentPart p14:bwMode="auto" r:id="rId8">
               <p14:nvContentPartPr>
                 <p14:cNvPr id="9" name="Ink 8">
@@ -7208,7 +7210,7 @@
               </p14:xfrm>
             </p:contentPart>
           </mc:Choice>
-          <mc:Fallback>
+          <mc:Fallback xmlns="">
             <p:pic>
               <p:nvPicPr>
                 <p:cNvPr id="9" name="Ink 8">
@@ -7947,12 +7949,11 @@
 </file>
 
 <file path=customXml/item1.xml><?xml version="1.0" encoding="utf-8"?>
-<?mso-contentType ?>
-<FormTemplates xmlns="http://schemas.microsoft.com/sharepoint/v3/contenttype/forms">
-  <Display>DocumentLibraryForm</Display>
-  <Edit>DocumentLibraryForm</Edit>
-  <New>DocumentLibraryForm</New>
-</FormTemplates>
+<p:properties xmlns:p="http://schemas.microsoft.com/office/2006/metadata/properties" xmlns:xsi="http://www.w3.org/2001/XMLSchema-instance" xmlns:pc="http://schemas.microsoft.com/office/infopath/2007/PartnerControls">
+  <documentManagement>
+    <_activity xmlns="b30265f8-c5e2-4918-b4a1-b977299ca3e2" xsi:nil="true"/>
+  </documentManagement>
+</p:properties>
 </file>
 
 <file path=customXml/item2.xml><?xml version="1.0" encoding="utf-8"?>
@@ -8189,17 +8190,27 @@
 </file>
 
 <file path=customXml/item3.xml><?xml version="1.0" encoding="utf-8"?>
-<p:properties xmlns:p="http://schemas.microsoft.com/office/2006/metadata/properties" xmlns:xsi="http://www.w3.org/2001/XMLSchema-instance" xmlns:pc="http://schemas.microsoft.com/office/infopath/2007/PartnerControls">
-  <documentManagement>
-    <_activity xmlns="b30265f8-c5e2-4918-b4a1-b977299ca3e2" xsi:nil="true"/>
-  </documentManagement>
-</p:properties>
+<?mso-contentType ?>
+<FormTemplates xmlns="http://schemas.microsoft.com/sharepoint/v3/contenttype/forms">
+  <Display>DocumentLibraryForm</Display>
+  <Edit>DocumentLibraryForm</Edit>
+  <New>DocumentLibraryForm</New>
+</FormTemplates>
 </file>
 
 <file path=customXml/itemProps1.xml><?xml version="1.0" encoding="utf-8"?>
-<ds:datastoreItem xmlns:ds="http://schemas.openxmlformats.org/officeDocument/2006/customXml" ds:itemID="{927BD4C1-B6B1-4715-ABF9-E660A51A4EA0}">
+<ds:datastoreItem xmlns:ds="http://schemas.openxmlformats.org/officeDocument/2006/customXml" ds:itemID="{8D289AE2-D2AE-49D1-AFAC-3A79F6794255}">
   <ds:schemaRefs>
-    <ds:schemaRef ds:uri="http://schemas.microsoft.com/sharepoint/v3/contenttype/forms"/>
+    <ds:schemaRef ds:uri="http://schemas.openxmlformats.org/package/2006/metadata/core-properties"/>
+    <ds:schemaRef ds:uri="http://schemas.microsoft.com/office/2006/documentManagement/types"/>
+    <ds:schemaRef ds:uri="http://purl.org/dc/dcmitype/"/>
+    <ds:schemaRef ds:uri="http://schemas.microsoft.com/office/infopath/2007/PartnerControls"/>
+    <ds:schemaRef ds:uri="http://purl.org/dc/elements/1.1/"/>
+    <ds:schemaRef ds:uri="http://schemas.microsoft.com/office/2006/metadata/properties"/>
+    <ds:schemaRef ds:uri="fadb41d3-f9cb-40fb-903c-8cacaba95bb5"/>
+    <ds:schemaRef ds:uri="http://purl.org/dc/terms/"/>
+    <ds:schemaRef ds:uri="b30265f8-c5e2-4918-b4a1-b977299ca3e2"/>
+    <ds:schemaRef ds:uri="http://www.w3.org/XML/1998/namespace"/>
   </ds:schemaRefs>
 </ds:datastoreItem>
 </file>
@@ -8224,18 +8235,9 @@
 </file>
 
 <file path=customXml/itemProps3.xml><?xml version="1.0" encoding="utf-8"?>
-<ds:datastoreItem xmlns:ds="http://schemas.openxmlformats.org/officeDocument/2006/customXml" ds:itemID="{8D289AE2-D2AE-49D1-AFAC-3A79F6794255}">
+<ds:datastoreItem xmlns:ds="http://schemas.openxmlformats.org/officeDocument/2006/customXml" ds:itemID="{927BD4C1-B6B1-4715-ABF9-E660A51A4EA0}">
   <ds:schemaRefs>
-    <ds:schemaRef ds:uri="http://schemas.openxmlformats.org/package/2006/metadata/core-properties"/>
-    <ds:schemaRef ds:uri="http://schemas.microsoft.com/office/2006/documentManagement/types"/>
-    <ds:schemaRef ds:uri="http://purl.org/dc/dcmitype/"/>
-    <ds:schemaRef ds:uri="http://schemas.microsoft.com/office/infopath/2007/PartnerControls"/>
-    <ds:schemaRef ds:uri="http://purl.org/dc/elements/1.1/"/>
-    <ds:schemaRef ds:uri="http://schemas.microsoft.com/office/2006/metadata/properties"/>
-    <ds:schemaRef ds:uri="fadb41d3-f9cb-40fb-903c-8cacaba95bb5"/>
-    <ds:schemaRef ds:uri="http://purl.org/dc/terms/"/>
-    <ds:schemaRef ds:uri="b30265f8-c5e2-4918-b4a1-b977299ca3e2"/>
-    <ds:schemaRef ds:uri="http://www.w3.org/XML/1998/namespace"/>
+    <ds:schemaRef ds:uri="http://schemas.microsoft.com/sharepoint/v3/contenttype/forms"/>
   </ds:schemaRefs>
 </ds:datastoreItem>
 </file>